--- a/assignment-5.pptx
+++ b/assignment-5.pptx
@@ -416,7 +416,7 @@
           <a:p>
             <a:fld id="{0D7A80AD-75C0-4139-8349-D7A56AAE3422}" type="datetimeFigureOut">
               <a:rPr lang="ko-KR" altLang="en-US" smtClean="0"/>
-              <a:t>2024-01-29</a:t>
+              <a:t>2024-01-31</a:t>
             </a:fld>
             <a:endParaRPr lang="ko-KR" altLang="en-US"/>
           </a:p>
@@ -920,7 +920,7 @@
           <a:p>
             <a:fld id="{3DF3EF48-9CCD-4EE9-BB40-4739D0DAE972}" type="datetime1">
               <a:rPr lang="ko-KR" altLang="en-US" smtClean="0"/>
-              <a:t>2024-01-29</a:t>
+              <a:t>2024-01-31</a:t>
             </a:fld>
             <a:endParaRPr lang="ko-KR" altLang="en-US"/>
           </a:p>
@@ -1191,7 +1191,7 @@
           <a:p>
             <a:fld id="{9E45620A-9A66-47B0-9218-43F171A33458}" type="datetime1">
               <a:rPr lang="ko-KR" altLang="en-US" smtClean="0"/>
-              <a:t>2024-01-29</a:t>
+              <a:t>2024-01-31</a:t>
             </a:fld>
             <a:endParaRPr lang="ko-KR" altLang="en-US"/>
           </a:p>
@@ -1467,7 +1467,7 @@
           <a:p>
             <a:fld id="{C1E586D9-B5F3-454A-8918-B4C99ED5AEDE}" type="datetime1">
               <a:rPr lang="ko-KR" altLang="en-US" smtClean="0"/>
-              <a:t>2024-01-29</a:t>
+              <a:t>2024-01-31</a:t>
             </a:fld>
             <a:endParaRPr lang="ko-KR" altLang="en-US"/>
           </a:p>
@@ -1691,7 +1691,7 @@
           <a:p>
             <a:fld id="{B0E4ADD3-F434-478C-876A-1D3933DF4707}" type="datetime1">
               <a:rPr lang="ko-KR" altLang="en-US" smtClean="0"/>
-              <a:t>2024-01-29</a:t>
+              <a:t>2024-01-31</a:t>
             </a:fld>
             <a:endParaRPr lang="ko-KR" altLang="en-US"/>
           </a:p>
@@ -2045,7 +2045,7 @@
           <a:p>
             <a:fld id="{38DF26BB-6A75-410D-A6B0-8FD34915C10D}" type="datetime1">
               <a:rPr lang="ko-KR" altLang="en-US" smtClean="0"/>
-              <a:t>2024-01-29</a:t>
+              <a:t>2024-01-31</a:t>
             </a:fld>
             <a:endParaRPr lang="ko-KR" altLang="en-US"/>
           </a:p>
@@ -2425,7 +2425,7 @@
           <a:p>
             <a:fld id="{4584CDF8-1723-475A-8393-34F016E9B184}" type="datetime1">
               <a:rPr lang="ko-KR" altLang="en-US" smtClean="0"/>
-              <a:t>2024-01-29</a:t>
+              <a:t>2024-01-31</a:t>
             </a:fld>
             <a:endParaRPr lang="ko-KR" altLang="en-US"/>
           </a:p>
@@ -2905,7 +2905,7 @@
           <a:p>
             <a:fld id="{FB8CCD4A-1F8C-4D3E-BDD6-84C4090AF0D6}" type="datetime1">
               <a:rPr lang="ko-KR" altLang="en-US" smtClean="0"/>
-              <a:t>2024-01-29</a:t>
+              <a:t>2024-01-31</a:t>
             </a:fld>
             <a:endParaRPr lang="ko-KR" altLang="en-US"/>
           </a:p>
@@ -3046,7 +3046,7 @@
           <a:p>
             <a:fld id="{CE073545-46C1-49FB-A041-5415163523D0}" type="datetime1">
               <a:rPr lang="ko-KR" altLang="en-US" smtClean="0"/>
-              <a:t>2024-01-29</a:t>
+              <a:t>2024-01-31</a:t>
             </a:fld>
             <a:endParaRPr lang="ko-KR" altLang="en-US"/>
           </a:p>
@@ -3227,7 +3227,7 @@
           <a:p>
             <a:fld id="{7EDBC6A4-6274-4803-89FF-1DA18D4FE7AA}" type="datetime1">
               <a:rPr lang="ko-KR" altLang="en-US" smtClean="0"/>
-              <a:t>2024-01-29</a:t>
+              <a:t>2024-01-31</a:t>
             </a:fld>
             <a:endParaRPr lang="ko-KR" altLang="en-US"/>
           </a:p>
@@ -3538,7 +3538,7 @@
           <a:p>
             <a:fld id="{B84A353D-6971-4305-AB04-6AEE4DD0E048}" type="datetime1">
               <a:rPr lang="ko-KR" altLang="en-US" smtClean="0"/>
-              <a:t>2024-01-29</a:t>
+              <a:t>2024-01-31</a:t>
             </a:fld>
             <a:endParaRPr lang="ko-KR" altLang="en-US"/>
           </a:p>
@@ -3826,7 +3826,7 @@
           <a:p>
             <a:fld id="{4AC75523-461B-44DB-AD97-7C06B206BE7B}" type="datetime1">
               <a:rPr lang="ko-KR" altLang="en-US" smtClean="0"/>
-              <a:t>2024-01-29</a:t>
+              <a:t>2024-01-31</a:t>
             </a:fld>
             <a:endParaRPr lang="ko-KR" altLang="en-US"/>
           </a:p>
@@ -4071,7 +4071,7 @@
           <a:p>
             <a:fld id="{9D1D2423-15C0-4D7C-B759-40ACCC100800}" type="datetime1">
               <a:rPr lang="ko-KR" altLang="en-US" smtClean="0"/>
-              <a:t>2024-01-29</a:t>
+              <a:t>2024-01-31</a:t>
             </a:fld>
             <a:endParaRPr lang="ko-KR" altLang="en-US"/>
           </a:p>
@@ -4902,8 +4902,8 @@
           </a:p>
         </p:txBody>
       </p:sp>
-      <mc:AlternateContent xmlns:mc="http://schemas.openxmlformats.org/markup-compatibility/2006" xmlns:a14="http://schemas.microsoft.com/office/drawing/2010/main">
-        <mc:Choice Requires="a14">
+      <mc:AlternateContent xmlns:mc="http://schemas.openxmlformats.org/markup-compatibility/2006">
+        <mc:Choice xmlns:a14="http://schemas.microsoft.com/office/drawing/2010/main" Requires="a14">
           <p:sp>
             <p:nvSpPr>
               <p:cNvPr id="3" name="Content Placeholder 2">
@@ -5517,7 +5517,7 @@
             </p:txBody>
           </p:sp>
         </mc:Choice>
-        <mc:Fallback xmlns="">
+        <mc:Fallback>
           <p:sp>
             <p:nvSpPr>
               <p:cNvPr id="3" name="Content Placeholder 2">
@@ -5644,8 +5644,8 @@
           </a:p>
         </p:txBody>
       </p:sp>
-      <mc:AlternateContent xmlns:mc="http://schemas.openxmlformats.org/markup-compatibility/2006" xmlns:a14="http://schemas.microsoft.com/office/drawing/2010/main">
-        <mc:Choice Requires="a14">
+      <mc:AlternateContent xmlns:mc="http://schemas.openxmlformats.org/markup-compatibility/2006">
+        <mc:Choice xmlns:a14="http://schemas.microsoft.com/office/drawing/2010/main" Requires="a14">
           <p:sp>
             <p:nvSpPr>
               <p:cNvPr id="3" name="Content Placeholder 2">
@@ -5669,15 +5669,7 @@
               <a:p>
                 <a:r>
                   <a:rPr lang="en-US" dirty="0"/>
-                  <a:t>Similar to MRC, the </a:t>
-                </a:r>
-                <a:r>
-                  <a:rPr lang="en-US" dirty="0" err="1"/>
-                  <a:t>the</a:t>
-                </a:r>
-                <a:r>
-                  <a:rPr lang="en-US" dirty="0"/>
-                  <a:t> </a:t>
+                  <a:t>Similar to MRC, the  </a:t>
                 </a:r>
                 <a:r>
                   <a:rPr lang="en-US" dirty="0" err="1"/>
@@ -5713,7 +5705,13 @@
                       <a:rPr lang="en-US" b="1" i="1" smtClean="0">
                         <a:latin typeface="Cambria Math" panose="02040503050406030204" pitchFamily="18" charset="0"/>
                       </a:rPr>
-                      <m:t>𝑹𝒛</m:t>
+                      <m:t>𝑹</m:t>
+                    </m:r>
+                    <m:r>
+                      <a:rPr lang="en-US" b="1" i="1" baseline="-25000" smtClean="0">
+                        <a:latin typeface="Cambria Math" panose="02040503050406030204" pitchFamily="18" charset="0"/>
+                      </a:rPr>
+                      <m:t>𝒛</m:t>
                     </m:r>
                     <m:r>
                       <a:rPr lang="en-US" b="0" i="1" smtClean="0">
@@ -6947,7 +6945,7 @@
             </p:txBody>
           </p:sp>
         </mc:Choice>
-        <mc:Fallback xmlns="">
+        <mc:Fallback>
           <p:sp>
             <p:nvSpPr>
               <p:cNvPr id="3" name="Content Placeholder 2">
@@ -6968,7 +6966,7 @@
               <a:blipFill>
                 <a:blip r:embed="rId2"/>
                 <a:stretch>
-                  <a:fillRect l="-522" t="-1348" r="-754"/>
+                  <a:fillRect l="-522" t="-1348" r="-638"/>
                 </a:stretch>
               </a:blipFill>
             </p:spPr>
@@ -12494,8 +12492,8 @@
           </a:p>
         </p:txBody>
       </p:sp>
-      <mc:AlternateContent xmlns:mc="http://schemas.openxmlformats.org/markup-compatibility/2006">
-        <mc:Choice xmlns:a14="http://schemas.microsoft.com/office/drawing/2010/main" Requires="a14">
+      <mc:AlternateContent xmlns:mc="http://schemas.openxmlformats.org/markup-compatibility/2006" xmlns:a14="http://schemas.microsoft.com/office/drawing/2010/main">
+        <mc:Choice Requires="a14">
           <p:sp>
             <p:nvSpPr>
               <p:cNvPr id="3" name="Content Placeholder 2">
@@ -14426,7 +14424,7 @@
             </p:txBody>
           </p:sp>
         </mc:Choice>
-        <mc:Fallback>
+        <mc:Fallback xmlns="">
           <p:sp>
             <p:nvSpPr>
               <p:cNvPr id="3" name="Content Placeholder 2">
@@ -14553,8 +14551,8 @@
           </a:p>
         </p:txBody>
       </p:sp>
-      <mc:AlternateContent xmlns:mc="http://schemas.openxmlformats.org/markup-compatibility/2006">
-        <mc:Choice xmlns:a14="http://schemas.microsoft.com/office/drawing/2010/main" Requires="a14">
+      <mc:AlternateContent xmlns:mc="http://schemas.openxmlformats.org/markup-compatibility/2006" xmlns:a14="http://schemas.microsoft.com/office/drawing/2010/main">
+        <mc:Choice Requires="a14">
           <p:sp>
             <p:nvSpPr>
               <p:cNvPr id="3" name="Content Placeholder 2">
@@ -15433,7 +15431,13 @@
                                 <a:rPr lang="en-US" b="0" i="1" smtClean="0">
                                   <a:latin typeface="Cambria Math" panose="02040503050406030204" pitchFamily="18" charset="0"/>
                                 </a:rPr>
-                                <m:t>  </m:t>
+                                <m:t> </m:t>
+                              </m:r>
+                              <m:r>
+                                <a:rPr lang="en-US" b="0" i="1" smtClean="0">
+                                  <a:latin typeface="Cambria Math" panose="02040503050406030204" pitchFamily="18" charset="0"/>
+                                </a:rPr>
+                                <m:t> </m:t>
                               </m:r>
                               <m:r>
                                 <a:rPr lang="en-US" b="0" i="1" smtClean="0">
@@ -15733,7 +15737,13 @@
                                 <a:rPr lang="en-US" b="0" i="1" smtClean="0">
                                   <a:latin typeface="Cambria Math" panose="02040503050406030204" pitchFamily="18" charset="0"/>
                                 </a:rPr>
-                                <m:t>  </m:t>
+                                <m:t> </m:t>
+                              </m:r>
+                              <m:r>
+                                <a:rPr lang="en-US" b="0" i="1" smtClean="0">
+                                  <a:latin typeface="Cambria Math" panose="02040503050406030204" pitchFamily="18" charset="0"/>
+                                </a:rPr>
+                                <m:t> </m:t>
                               </m:r>
                               <m:r>
                                 <a:rPr lang="en-US" i="1">
@@ -15807,7 +15817,13 @@
                                 <a:rPr lang="en-US" b="0" i="1" smtClean="0">
                                   <a:latin typeface="Cambria Math" panose="02040503050406030204" pitchFamily="18" charset="0"/>
                                 </a:rPr>
-                                <m:t>  </m:t>
+                                <m:t> </m:t>
+                              </m:r>
+                              <m:r>
+                                <a:rPr lang="en-US" b="0" i="1" smtClean="0">
+                                  <a:latin typeface="Cambria Math" panose="02040503050406030204" pitchFamily="18" charset="0"/>
+                                </a:rPr>
+                                <m:t> </m:t>
                               </m:r>
                               <m:r>
                                 <a:rPr lang="en-US" i="1">
@@ -16483,7 +16499,7 @@
             </p:txBody>
           </p:sp>
         </mc:Choice>
-        <mc:Fallback>
+        <mc:Fallback xmlns="">
           <p:sp>
             <p:nvSpPr>
               <p:cNvPr id="3" name="Content Placeholder 2">
@@ -16614,8 +16630,8 @@
           </a:p>
         </p:txBody>
       </p:sp>
-      <mc:AlternateContent xmlns:mc="http://schemas.openxmlformats.org/markup-compatibility/2006">
-        <mc:Choice xmlns:a14="http://schemas.microsoft.com/office/drawing/2010/main" Requires="a14">
+      <mc:AlternateContent xmlns:mc="http://schemas.openxmlformats.org/markup-compatibility/2006" xmlns:a14="http://schemas.microsoft.com/office/drawing/2010/main">
+        <mc:Choice Requires="a14">
           <p:sp>
             <p:nvSpPr>
               <p:cNvPr id="3" name="Content Placeholder 2">
@@ -18451,7 +18467,7 @@
             </p:txBody>
           </p:sp>
         </mc:Choice>
-        <mc:Fallback>
+        <mc:Fallback xmlns="">
           <p:sp>
             <p:nvSpPr>
               <p:cNvPr id="3" name="Content Placeholder 2">
@@ -18578,8 +18594,8 @@
           </a:p>
         </p:txBody>
       </p:sp>
-      <mc:AlternateContent xmlns:mc="http://schemas.openxmlformats.org/markup-compatibility/2006">
-        <mc:Choice xmlns:a14="http://schemas.microsoft.com/office/drawing/2010/main" Requires="a14">
+      <mc:AlternateContent xmlns:mc="http://schemas.openxmlformats.org/markup-compatibility/2006" xmlns:a14="http://schemas.microsoft.com/office/drawing/2010/main">
+        <mc:Choice Requires="a14">
           <p:sp>
             <p:nvSpPr>
               <p:cNvPr id="3" name="Content Placeholder 2">
@@ -19627,7 +19643,7 @@
             </p:txBody>
           </p:sp>
         </mc:Choice>
-        <mc:Fallback>
+        <mc:Fallback xmlns="">
           <p:sp>
             <p:nvSpPr>
               <p:cNvPr id="3" name="Content Placeholder 2">
@@ -19754,8 +19770,8 @@
           </a:p>
         </p:txBody>
       </p:sp>
-      <mc:AlternateContent xmlns:mc="http://schemas.openxmlformats.org/markup-compatibility/2006" xmlns:a14="http://schemas.microsoft.com/office/drawing/2010/main">
-        <mc:Choice Requires="a14">
+      <mc:AlternateContent xmlns:mc="http://schemas.openxmlformats.org/markup-compatibility/2006">
+        <mc:Choice xmlns:a14="http://schemas.microsoft.com/office/drawing/2010/main" Requires="a14">
           <p:sp>
             <p:nvSpPr>
               <p:cNvPr id="3" name="Content Placeholder 2">
@@ -19924,15 +19940,7 @@
                 </a14:m>
                 <a:r>
                   <a:rPr lang="en-US" dirty="0"/>
-                  <a:t>  = </a:t>
-                </a:r>
-                <a:r>
-                  <a:rPr lang="en-US" dirty="0" err="1"/>
-                  <a:t>w.y</a:t>
-                </a:r>
-                <a:r>
-                  <a:rPr lang="en-US" dirty="0"/>
-                  <a:t> = w( s + z ) = w( h p x  + z)</a:t>
+                  <a:t>  = w y = w( s + z ) = w( h p x  + z)</a:t>
                 </a:r>
               </a:p>
               <a:p>
@@ -20834,7 +20842,7 @@
             </p:txBody>
           </p:sp>
         </mc:Choice>
-        <mc:Fallback xmlns="">
+        <mc:Fallback>
           <p:sp>
             <p:nvSpPr>
               <p:cNvPr id="3" name="Content Placeholder 2">
@@ -20961,8 +20969,8 @@
           </a:p>
         </p:txBody>
       </p:sp>
-      <mc:AlternateContent xmlns:mc="http://schemas.openxmlformats.org/markup-compatibility/2006">
-        <mc:Choice xmlns:a14="http://schemas.microsoft.com/office/drawing/2010/main" Requires="a14">
+      <mc:AlternateContent xmlns:mc="http://schemas.openxmlformats.org/markup-compatibility/2006" xmlns:a14="http://schemas.microsoft.com/office/drawing/2010/main">
+        <mc:Choice Requires="a14">
           <p:sp>
             <p:nvSpPr>
               <p:cNvPr id="3" name="Content Placeholder 2">
@@ -22831,13 +22839,7 @@
                       <a:rPr lang="en-US" i="1">
                         <a:latin typeface="Cambria Math" panose="02040503050406030204" pitchFamily="18" charset="0"/>
                       </a:rPr>
-                      <m:t>]</m:t>
-                    </m:r>
-                    <m:r>
-                      <a:rPr lang="en-US" i="1">
-                        <a:latin typeface="Cambria Math" panose="02040503050406030204" pitchFamily="18" charset="0"/>
-                      </a:rPr>
-                      <m:t>− </m:t>
+                      <m:t>]− </m:t>
                     </m:r>
                     <m:f>
                       <m:fPr>
@@ -23071,7 +23073,7 @@
             </p:txBody>
           </p:sp>
         </mc:Choice>
-        <mc:Fallback>
+        <mc:Fallback xmlns="">
           <p:sp>
             <p:nvSpPr>
               <p:cNvPr id="3" name="Content Placeholder 2">
@@ -23198,8 +23200,8 @@
           </a:p>
         </p:txBody>
       </p:sp>
-      <mc:AlternateContent xmlns:mc="http://schemas.openxmlformats.org/markup-compatibility/2006">
-        <mc:Choice xmlns:a14="http://schemas.microsoft.com/office/drawing/2010/main" Requires="a14">
+      <mc:AlternateContent xmlns:mc="http://schemas.openxmlformats.org/markup-compatibility/2006" xmlns:a14="http://schemas.microsoft.com/office/drawing/2010/main">
+        <mc:Choice Requires="a14">
           <p:sp>
             <p:nvSpPr>
               <p:cNvPr id="3" name="Content Placeholder 2">
@@ -23727,7 +23729,7 @@
             </p:txBody>
           </p:sp>
         </mc:Choice>
-        <mc:Fallback>
+        <mc:Fallback xmlns="">
           <p:sp>
             <p:nvSpPr>
               <p:cNvPr id="3" name="Content Placeholder 2">
@@ -23854,8 +23856,8 @@
           </a:p>
         </p:txBody>
       </p:sp>
-      <mc:AlternateContent xmlns:mc="http://schemas.openxmlformats.org/markup-compatibility/2006" xmlns:a14="http://schemas.microsoft.com/office/drawing/2010/main">
-        <mc:Choice Requires="a14">
+      <mc:AlternateContent xmlns:mc="http://schemas.openxmlformats.org/markup-compatibility/2006">
+        <mc:Choice xmlns:a14="http://schemas.microsoft.com/office/drawing/2010/main" Requires="a14">
           <p:sp>
             <p:nvSpPr>
               <p:cNvPr id="3" name="Content Placeholder 2">
@@ -24166,7 +24168,7 @@
                     </m:r>
                   </m:oMath>
                 </a14:m>
-                <a:endParaRPr lang="en-US" b="0" dirty="0"/>
+                <a:endParaRPr lang="en-US" b="0" baseline="-25000" dirty="0"/>
               </a:p>
               <a:p>
                 <a:r>
@@ -24831,7 +24833,7 @@
             </p:txBody>
           </p:sp>
         </mc:Choice>
-        <mc:Fallback xmlns="">
+        <mc:Fallback>
           <p:sp>
             <p:nvSpPr>
               <p:cNvPr id="3" name="Content Placeholder 2">
@@ -24852,7 +24854,7 @@
               <a:blipFill>
                 <a:blip r:embed="rId2"/>
                 <a:stretch>
-                  <a:fillRect l="-522" t="-1348" r="-928" b="-4987"/>
+                  <a:fillRect l="-522" t="-1348" r="-1275" b="-4987"/>
                 </a:stretch>
               </a:blipFill>
             </p:spPr>
@@ -24958,8 +24960,8 @@
           </a:p>
         </p:txBody>
       </p:sp>
-      <mc:AlternateContent xmlns:mc="http://schemas.openxmlformats.org/markup-compatibility/2006" xmlns:a14="http://schemas.microsoft.com/office/drawing/2010/main">
-        <mc:Choice Requires="a14">
+      <mc:AlternateContent xmlns:mc="http://schemas.openxmlformats.org/markup-compatibility/2006">
+        <mc:Choice xmlns:a14="http://schemas.microsoft.com/office/drawing/2010/main" Requires="a14">
           <p:sp>
             <p:nvSpPr>
               <p:cNvPr id="3" name="Content Placeholder 2">
@@ -24999,7 +25001,13 @@
                       <a:rPr lang="en-US" b="1" i="1" smtClean="0">
                         <a:latin typeface="Cambria Math" panose="02040503050406030204" pitchFamily="18" charset="0"/>
                       </a:rPr>
-                      <m:t>𝑹𝒛</m:t>
+                      <m:t>𝑹</m:t>
+                    </m:r>
+                    <m:r>
+                      <a:rPr lang="en-US" b="1" i="1" baseline="-25000" smtClean="0">
+                        <a:latin typeface="Cambria Math" panose="02040503050406030204" pitchFamily="18" charset="0"/>
+                      </a:rPr>
+                      <m:t>𝒛</m:t>
                     </m:r>
                     <m:r>
                       <a:rPr lang="en-US" b="0" i="1" smtClean="0">
@@ -26287,7 +26295,7 @@
             </p:txBody>
           </p:sp>
         </mc:Choice>
-        <mc:Fallback xmlns="">
+        <mc:Fallback>
           <p:sp>
             <p:nvSpPr>
               <p:cNvPr id="3" name="Content Placeholder 2">
@@ -28182,8 +28190,8 @@
           </a:p>
         </p:txBody>
       </p:sp>
-      <mc:AlternateContent xmlns:mc="http://schemas.openxmlformats.org/markup-compatibility/2006" xmlns:a14="http://schemas.microsoft.com/office/drawing/2010/main">
-        <mc:Choice Requires="a14">
+      <mc:AlternateContent xmlns:mc="http://schemas.openxmlformats.org/markup-compatibility/2006">
+        <mc:Choice xmlns:a14="http://schemas.microsoft.com/office/drawing/2010/main" Requires="a14">
           <p:sp>
             <p:nvSpPr>
               <p:cNvPr id="3" name="Content Placeholder 2">
@@ -28243,7 +28251,13 @@
                       <a:rPr lang="en-US" b="1" i="1" smtClean="0">
                         <a:latin typeface="Cambria Math" panose="02040503050406030204" pitchFamily="18" charset="0"/>
                       </a:rPr>
-                      <m:t>𝑹𝒛</m:t>
+                      <m:t>𝑹</m:t>
+                    </m:r>
+                    <m:r>
+                      <a:rPr lang="en-US" b="1" i="1" baseline="-25000" smtClean="0">
+                        <a:latin typeface="Cambria Math" panose="02040503050406030204" pitchFamily="18" charset="0"/>
+                      </a:rPr>
+                      <m:t>𝒛</m:t>
                     </m:r>
                     <m:r>
                       <a:rPr lang="en-US" b="0" i="1" smtClean="0">
@@ -29457,7 +29471,7 @@
             </p:txBody>
           </p:sp>
         </mc:Choice>
-        <mc:Fallback xmlns="">
+        <mc:Fallback>
           <p:sp>
             <p:nvSpPr>
               <p:cNvPr id="3" name="Content Placeholder 2">
